--- a/ice-breakers-prez.pptx
+++ b/ice-breakers-prez.pptx
@@ -3706,7 +3706,7 @@
           <a:p>
             <a:fld id="{181EC09C-9CDC-48F0-BB82-ED223F986966}" type="datetimeFigureOut">
               <a:rPr lang="en-US" smtClean="0"/>
-              <a:t>11/15/2022</a:t>
+              <a:t>11/17/2022</a:t>
             </a:fld>
             <a:endParaRPr lang="en-US" dirty="0"/>
           </a:p>
@@ -4308,7 +4308,7 @@
           <a:p>
             <a:fld id="{9D874152-028B-486A-9CCC-467A5536A7DC}" type="datetime1">
               <a:rPr lang="en-US" smtClean="0"/>
-              <a:t>11/15/2022</a:t>
+              <a:t>11/17/2022</a:t>
             </a:fld>
             <a:endParaRPr lang="en-US" dirty="0"/>
           </a:p>
@@ -5397,7 +5397,7 @@
           <a:p>
             <a:fld id="{B183DE74-4CAD-4852-95E7-A055FD779420}" type="datetime1">
               <a:rPr lang="en-US" smtClean="0"/>
-              <a:t>11/15/2022</a:t>
+              <a:t>11/17/2022</a:t>
             </a:fld>
             <a:endParaRPr lang="en-US" dirty="0"/>
           </a:p>
@@ -6379,7 +6379,7 @@
           <a:p>
             <a:fld id="{B183DE74-4CAD-4852-95E7-A055FD779420}" type="datetime1">
               <a:rPr lang="en-US" smtClean="0"/>
-              <a:t>11/15/2022</a:t>
+              <a:t>11/17/2022</a:t>
             </a:fld>
             <a:endParaRPr lang="en-US" dirty="0"/>
           </a:p>
@@ -7515,7 +7515,7 @@
           <a:p>
             <a:fld id="{B183DE74-4CAD-4852-95E7-A055FD779420}" type="datetime1">
               <a:rPr lang="en-US" smtClean="0"/>
-              <a:t>11/15/2022</a:t>
+              <a:t>11/17/2022</a:t>
             </a:fld>
             <a:endParaRPr lang="en-US" dirty="0"/>
           </a:p>
@@ -8550,7 +8550,7 @@
           <a:p>
             <a:fld id="{B183DE74-4CAD-4852-95E7-A055FD779420}" type="datetime1">
               <a:rPr lang="en-US" smtClean="0"/>
-              <a:t>11/15/2022</a:t>
+              <a:t>11/17/2022</a:t>
             </a:fld>
             <a:endParaRPr lang="en-US" dirty="0"/>
           </a:p>
@@ -9212,7 +9212,7 @@
           <a:p>
             <a:fld id="{B183DE74-4CAD-4852-95E7-A055FD779420}" type="datetime1">
               <a:rPr lang="en-US" smtClean="0"/>
-              <a:t>11/15/2022</a:t>
+              <a:t>11/17/2022</a:t>
             </a:fld>
             <a:endParaRPr lang="en-US" dirty="0"/>
           </a:p>
@@ -10075,7 +10075,7 @@
           <a:p>
             <a:fld id="{B183DE74-4CAD-4852-95E7-A055FD779420}" type="datetime1">
               <a:rPr lang="en-US" smtClean="0"/>
-              <a:t>11/15/2022</a:t>
+              <a:t>11/17/2022</a:t>
             </a:fld>
             <a:endParaRPr lang="en-US" dirty="0"/>
           </a:p>
@@ -10267,7 +10267,7 @@
           <a:p>
             <a:fld id="{2D5E59DB-4C5A-44A3-897C-FF6803F94296}" type="datetime1">
               <a:rPr lang="en-US" smtClean="0"/>
-              <a:t>11/15/2022</a:t>
+              <a:t>11/17/2022</a:t>
             </a:fld>
             <a:endParaRPr lang="en-US" dirty="0"/>
           </a:p>
@@ -11240,7 +11240,7 @@
           <a:p>
             <a:fld id="{E9F6B6E0-E0F8-4800-BD74-7D33DFE5ED7E}" type="datetime1">
               <a:rPr lang="en-US" smtClean="0"/>
-              <a:t>11/15/2022</a:t>
+              <a:t>11/17/2022</a:t>
             </a:fld>
             <a:endParaRPr lang="en-US" dirty="0"/>
           </a:p>
@@ -11452,7 +11452,7 @@
           <a:p>
             <a:fld id="{6E6DC824-D0E7-4046-8B44-4AAD1C4DE2CF}" type="datetime1">
               <a:rPr lang="en-US" smtClean="0"/>
-              <a:t>11/15/2022</a:t>
+              <a:t>11/17/2022</a:t>
             </a:fld>
             <a:endParaRPr lang="en-US" dirty="0"/>
           </a:p>
@@ -12487,7 +12487,7 @@
           <a:p>
             <a:fld id="{FEFC221C-17A4-4F42-9F54-9F7E03AA1BBB}" type="datetime1">
               <a:rPr lang="en-US" smtClean="0"/>
-              <a:t>11/15/2022</a:t>
+              <a:t>11/17/2022</a:t>
             </a:fld>
             <a:endParaRPr lang="en-US" dirty="0"/>
           </a:p>
@@ -12760,7 +12760,7 @@
           <a:p>
             <a:fld id="{38CD7CBA-5256-42F3-BAB5-33F095514AE3}" type="datetime1">
               <a:rPr lang="en-US" smtClean="0"/>
-              <a:t>11/15/2022</a:t>
+              <a:t>11/17/2022</a:t>
             </a:fld>
             <a:endParaRPr lang="en-US" dirty="0"/>
           </a:p>
@@ -13171,7 +13171,7 @@
           <a:p>
             <a:fld id="{8EB80C04-2E33-403B-B014-7E203A57326C}" type="datetime1">
               <a:rPr lang="en-US" smtClean="0"/>
-              <a:t>11/15/2022</a:t>
+              <a:t>11/17/2022</a:t>
             </a:fld>
             <a:endParaRPr lang="en-US" dirty="0"/>
           </a:p>
@@ -13299,7 +13299,7 @@
           <a:p>
             <a:fld id="{8C92A49D-7D7F-4D69-A8AA-65D6B58C15F2}" type="datetime1">
               <a:rPr lang="en-US" smtClean="0"/>
-              <a:t>11/15/2022</a:t>
+              <a:t>11/17/2022</a:t>
             </a:fld>
             <a:endParaRPr lang="en-US" dirty="0"/>
           </a:p>
@@ -13395,7 +13395,7 @@
           <a:p>
             <a:fld id="{09E02903-36C1-4F6B-9F27-EA2305255204}" type="datetime1">
               <a:rPr lang="en-US" smtClean="0"/>
-              <a:t>11/15/2022</a:t>
+              <a:t>11/17/2022</a:t>
             </a:fld>
             <a:endParaRPr lang="en-US" dirty="0"/>
           </a:p>
@@ -14477,7 +14477,7 @@
           <a:p>
             <a:fld id="{2E8BBFA8-C775-4121-A7F6-6851C8035873}" type="datetime1">
               <a:rPr lang="en-US" smtClean="0"/>
-              <a:t>11/15/2022</a:t>
+              <a:t>11/17/2022</a:t>
             </a:fld>
             <a:endParaRPr lang="en-US" dirty="0"/>
           </a:p>
@@ -15586,7 +15586,7 @@
           <a:p>
             <a:fld id="{6EC01760-8EEC-4A4C-BD0D-3CDAAA80A266}" type="datetime1">
               <a:rPr lang="en-US" smtClean="0"/>
-              <a:t>11/15/2022</a:t>
+              <a:t>11/17/2022</a:t>
             </a:fld>
             <a:endParaRPr lang="en-US" dirty="0"/>
           </a:p>
@@ -16588,7 +16588,7 @@
           <a:p>
             <a:fld id="{B183DE74-4CAD-4852-95E7-A055FD779420}" type="datetime1">
               <a:rPr lang="en-US" smtClean="0"/>
-              <a:t>11/15/2022</a:t>
+              <a:t>11/17/2022</a:t>
             </a:fld>
             <a:endParaRPr lang="en-US" dirty="0"/>
           </a:p>
@@ -17369,6 +17369,23 @@
                 <a:latin typeface="+mn-lt"/>
               </a:rPr>
               <a:t>JOURNIFY</a:t>
+            </a:r>
+            <a:br>
+              <a:rPr lang="en-US" sz="9600" b="1" dirty="0">
+                <a:solidFill>
+                  <a:schemeClr val="tx1"/>
+                </a:solidFill>
+                <a:latin typeface="+mn-lt"/>
+              </a:rPr>
+            </a:br>
+            <a:r>
+              <a:rPr lang="en-US" sz="9600" b="1" dirty="0">
+                <a:solidFill>
+                  <a:schemeClr val="tx1"/>
+                </a:solidFill>
+                <a:latin typeface="+mn-lt"/>
+              </a:rPr>
+              <a:t> _mobile_</a:t>
             </a:r>
           </a:p>
         </p:txBody>
@@ -20698,6 +20715,15 @@
 </file>
 
 <file path=customXml/item2.xml><?xml version="1.0" encoding="utf-8"?>
+<?mso-contentType ?>
+<FormTemplates xmlns="http://schemas.microsoft.com/sharepoint/v3/contenttype/forms">
+  <Display>DocumentLibraryForm</Display>
+  <Edit>DocumentLibraryForm</Edit>
+  <New>DocumentLibraryForm</New>
+</FormTemplates>
+</file>
+
+<file path=customXml/item3.xml><?xml version="1.0" encoding="utf-8"?>
 <ct:contentTypeSchema xmlns:ct="http://schemas.microsoft.com/office/2006/metadata/contentType" xmlns:ma="http://schemas.microsoft.com/office/2006/metadata/properties/metaAttributes" ct:_="" ma:_="" ma:contentTypeName="Document" ma:contentTypeID="0x01010079F111ED35F8CC479449609E8A0923A6" ma:contentTypeVersion="11" ma:contentTypeDescription="Create a new document." ma:contentTypeScope="" ma:versionID="9677210f24a1be23c92c90fd886aa0aa">
   <xsd:schema xmlns:xsd="http://www.w3.org/2001/XMLSchema" xmlns:xs="http://www.w3.org/2001/XMLSchema" xmlns:p="http://schemas.microsoft.com/office/2006/metadata/properties" xmlns:ns2="71af3243-3dd4-4a8d-8c0d-dd76da1f02a5" xmlns:ns3="16c05727-aa75-4e4a-9b5f-8a80a1165891" targetNamespace="http://schemas.microsoft.com/office/2006/metadata/properties" ma:root="true" ma:fieldsID="60e05723c5c1908df1a1a4ebf11d344e" ns2:_="" ns3:_="">
     <xsd:import namespace="71af3243-3dd4-4a8d-8c0d-dd76da1f02a5"/>
@@ -20908,26 +20934,32 @@
 </ct:contentTypeSchema>
 </file>
 
-<file path=customXml/item3.xml><?xml version="1.0" encoding="utf-8"?>
-<?mso-contentType ?>
-<FormTemplates xmlns="http://schemas.microsoft.com/sharepoint/v3/contenttype/forms">
-  <Display>DocumentLibraryForm</Display>
-  <Edit>DocumentLibraryForm</Edit>
-  <New>DocumentLibraryForm</New>
-</FormTemplates>
-</file>
-
 <file path=customXml/itemProps1.xml><?xml version="1.0" encoding="utf-8"?>
 <ds:datastoreItem xmlns:ds="http://schemas.openxmlformats.org/officeDocument/2006/customXml" ds:itemID="{B26D5668-1971-40BB-BC7C-94C9B101AAB7}">
   <ds:schemaRefs>
+    <ds:schemaRef ds:uri="71af3243-3dd4-4a8d-8c0d-dd76da1f02a5"/>
+    <ds:schemaRef ds:uri="16c05727-aa75-4e4a-9b5f-8a80a1165891"/>
+    <ds:schemaRef ds:uri="http://purl.org/dc/elements/1.1/"/>
+    <ds:schemaRef ds:uri="http://purl.org/dc/terms/"/>
+    <ds:schemaRef ds:uri="http://www.w3.org/XML/1998/namespace"/>
+    <ds:schemaRef ds:uri="http://purl.org/dc/dcmitype/"/>
     <ds:schemaRef ds:uri="http://schemas.microsoft.com/office/2006/metadata/properties"/>
+    <ds:schemaRef ds:uri="http://schemas.microsoft.com/office/2006/documentManagement/types"/>
     <ds:schemaRef ds:uri="http://schemas.microsoft.com/office/infopath/2007/PartnerControls"/>
-    <ds:schemaRef ds:uri="71af3243-3dd4-4a8d-8c0d-dd76da1f02a5"/>
+    <ds:schemaRef ds:uri="http://schemas.openxmlformats.org/package/2006/metadata/core-properties"/>
   </ds:schemaRefs>
 </ds:datastoreItem>
 </file>
 
 <file path=customXml/itemProps2.xml><?xml version="1.0" encoding="utf-8"?>
+<ds:datastoreItem xmlns:ds="http://schemas.openxmlformats.org/officeDocument/2006/customXml" ds:itemID="{FE57094B-4684-420B-AFE0-4E41CA2AF714}">
+  <ds:schemaRefs>
+    <ds:schemaRef ds:uri="http://schemas.microsoft.com/sharepoint/v3/contenttype/forms"/>
+  </ds:schemaRefs>
+</ds:datastoreItem>
+</file>
+
+<file path=customXml/itemProps3.xml><?xml version="1.0" encoding="utf-8"?>
 <ds:datastoreItem xmlns:ds="http://schemas.openxmlformats.org/officeDocument/2006/customXml" ds:itemID="{3370F4A1-FC59-4361-989F-6C79533DA565}">
   <ds:schemaRefs>
     <ds:schemaRef ds:uri="http://schemas.microsoft.com/office/2006/metadata/contentType"/>
@@ -20944,12 +20976,4 @@
     <ds:schemaRef ds:uri="http://schemas.microsoft.com/internal/obd"/>
   </ds:schemaRefs>
 </ds:datastoreItem>
-</file>
-
-<file path=customXml/itemProps3.xml><?xml version="1.0" encoding="utf-8"?>
-<ds:datastoreItem xmlns:ds="http://schemas.openxmlformats.org/officeDocument/2006/customXml" ds:itemID="{FE57094B-4684-420B-AFE0-4E41CA2AF714}">
-  <ds:schemaRefs>
-    <ds:schemaRef ds:uri="http://schemas.microsoft.com/sharepoint/v3/contenttype/forms"/>
-  </ds:schemaRefs>
-</ds:datastoreItem>
 </file>